--- a/docs/Diagrams.pptx
+++ b/docs/Diagrams.pptx
@@ -5,13 +5,14 @@
     <p:sldMasterId id="2147483648" r:id="rId1"/>
   </p:sldMasterIdLst>
   <p:notesMasterIdLst>
-    <p:notesMasterId r:id="rId6"/>
+    <p:notesMasterId r:id="rId7"/>
   </p:notesMasterIdLst>
   <p:sldIdLst>
     <p:sldId id="256" r:id="rId2"/>
-    <p:sldId id="257" r:id="rId3"/>
-    <p:sldId id="259" r:id="rId4"/>
-    <p:sldId id="258" r:id="rId5"/>
+    <p:sldId id="260" r:id="rId3"/>
+    <p:sldId id="257" r:id="rId4"/>
+    <p:sldId id="259" r:id="rId5"/>
+    <p:sldId id="258" r:id="rId6"/>
   </p:sldIdLst>
   <p:sldSz cx="9144000" cy="6858000" type="screen4x3"/>
   <p:notesSz cx="6858000" cy="9144000"/>
@@ -211,7 +212,7 @@
           <a:p>
             <a:fld id="{F5CC4B3F-88C1-4FFA-B1B6-F41C21DC6924}" type="datetimeFigureOut">
               <a:rPr lang="en-US" smtClean="0"/>
-              <a:t>8/12/2018</a:t>
+              <a:t>10/23/18</a:t>
             </a:fld>
             <a:endParaRPr lang="en-US"/>
           </a:p>
@@ -552,6 +553,90 @@
     </p:spTree>
     <p:extLst>
       <p:ext uri="{BB962C8B-B14F-4D97-AF65-F5344CB8AC3E}">
+        <p14:creationId xmlns:p14="http://schemas.microsoft.com/office/powerpoint/2010/main" val="2532955931"/>
+      </p:ext>
+    </p:extLst>
+  </p:cSld>
+  <p:clrMapOvr>
+    <a:masterClrMapping/>
+  </p:clrMapOvr>
+</p:notes>
+</file>
+
+<file path=ppt/notesSlides/notesSlide2.xml><?xml version="1.0" encoding="utf-8"?>
+<p:notes xmlns:a="http://schemas.openxmlformats.org/drawingml/2006/main" xmlns:r="http://schemas.openxmlformats.org/officeDocument/2006/relationships" xmlns:p="http://schemas.openxmlformats.org/presentationml/2006/main">
+  <p:cSld>
+    <p:spTree>
+      <p:nvGrpSpPr>
+        <p:cNvPr id="1" name=""/>
+        <p:cNvGrpSpPr/>
+        <p:nvPr/>
+      </p:nvGrpSpPr>
+      <p:grpSpPr>
+        <a:xfrm>
+          <a:off x="0" y="0"/>
+          <a:ext cx="0" cy="0"/>
+          <a:chOff x="0" y="0"/>
+          <a:chExt cx="0" cy="0"/>
+        </a:xfrm>
+      </p:grpSpPr>
+      <p:sp>
+        <p:nvSpPr>
+          <p:cNvPr id="2" name="Slide Image Placeholder 1"/>
+          <p:cNvSpPr>
+            <a:spLocks noGrp="1" noRot="1" noChangeAspect="1"/>
+          </p:cNvSpPr>
+          <p:nvPr>
+            <p:ph type="sldImg"/>
+          </p:nvPr>
+        </p:nvSpPr>
+        <p:spPr/>
+      </p:sp>
+      <p:sp>
+        <p:nvSpPr>
+          <p:cNvPr id="3" name="Notes Placeholder 2"/>
+          <p:cNvSpPr>
+            <a:spLocks noGrp="1"/>
+          </p:cNvSpPr>
+          <p:nvPr>
+            <p:ph type="body" idx="1"/>
+          </p:nvPr>
+        </p:nvSpPr>
+        <p:spPr/>
+        <p:txBody>
+          <a:bodyPr/>
+          <a:lstStyle/>
+          <a:p>
+            <a:endParaRPr lang="en-US" dirty="0"/>
+          </a:p>
+        </p:txBody>
+      </p:sp>
+      <p:sp>
+        <p:nvSpPr>
+          <p:cNvPr id="4" name="Slide Number Placeholder 3"/>
+          <p:cNvSpPr>
+            <a:spLocks noGrp="1"/>
+          </p:cNvSpPr>
+          <p:nvPr>
+            <p:ph type="sldNum" sz="quarter" idx="10"/>
+          </p:nvPr>
+        </p:nvSpPr>
+        <p:spPr/>
+        <p:txBody>
+          <a:bodyPr/>
+          <a:lstStyle/>
+          <a:p>
+            <a:fld id="{5A7AB025-77E3-4BD1-A2FD-B3183DBA47A3}" type="slidenum">
+              <a:rPr lang="en-US" smtClean="0"/>
+              <a:t>3</a:t>
+            </a:fld>
+            <a:endParaRPr lang="en-US" dirty="0"/>
+          </a:p>
+        </p:txBody>
+      </p:sp>
+    </p:spTree>
+    <p:extLst>
+      <p:ext uri="{BB962C8B-B14F-4D97-AF65-F5344CB8AC3E}">
         <p14:creationId xmlns:p14="http://schemas.microsoft.com/office/powerpoint/2010/main" val="3075080205"/>
       </p:ext>
     </p:extLst>
@@ -741,7 +826,7 @@
           <a:p>
             <a:fld id="{78C97017-6FC3-485B-9764-EAC9E56C1D49}" type="datetimeFigureOut">
               <a:rPr lang="en-US" smtClean="0"/>
-              <a:t>8/12/2018</a:t>
+              <a:t>10/23/18</a:t>
             </a:fld>
             <a:endParaRPr lang="en-US"/>
           </a:p>
@@ -909,7 +994,7 @@
           <a:p>
             <a:fld id="{78C97017-6FC3-485B-9764-EAC9E56C1D49}" type="datetimeFigureOut">
               <a:rPr lang="en-US" smtClean="0"/>
-              <a:t>8/12/2018</a:t>
+              <a:t>10/23/18</a:t>
             </a:fld>
             <a:endParaRPr lang="en-US"/>
           </a:p>
@@ -1087,7 +1172,7 @@
           <a:p>
             <a:fld id="{78C97017-6FC3-485B-9764-EAC9E56C1D49}" type="datetimeFigureOut">
               <a:rPr lang="en-US" smtClean="0"/>
-              <a:t>8/12/2018</a:t>
+              <a:t>10/23/18</a:t>
             </a:fld>
             <a:endParaRPr lang="en-US"/>
           </a:p>
@@ -1255,7 +1340,7 @@
           <a:p>
             <a:fld id="{78C97017-6FC3-485B-9764-EAC9E56C1D49}" type="datetimeFigureOut">
               <a:rPr lang="en-US" smtClean="0"/>
-              <a:t>8/12/2018</a:t>
+              <a:t>10/23/18</a:t>
             </a:fld>
             <a:endParaRPr lang="en-US"/>
           </a:p>
@@ -1500,7 +1585,7 @@
           <a:p>
             <a:fld id="{78C97017-6FC3-485B-9764-EAC9E56C1D49}" type="datetimeFigureOut">
               <a:rPr lang="en-US" smtClean="0"/>
-              <a:t>8/12/2018</a:t>
+              <a:t>10/23/18</a:t>
             </a:fld>
             <a:endParaRPr lang="en-US"/>
           </a:p>
@@ -1785,7 +1870,7 @@
           <a:p>
             <a:fld id="{78C97017-6FC3-485B-9764-EAC9E56C1D49}" type="datetimeFigureOut">
               <a:rPr lang="en-US" smtClean="0"/>
-              <a:t>8/12/2018</a:t>
+              <a:t>10/23/18</a:t>
             </a:fld>
             <a:endParaRPr lang="en-US"/>
           </a:p>
@@ -2204,7 +2289,7 @@
           <a:p>
             <a:fld id="{78C97017-6FC3-485B-9764-EAC9E56C1D49}" type="datetimeFigureOut">
               <a:rPr lang="en-US" smtClean="0"/>
-              <a:t>8/12/2018</a:t>
+              <a:t>10/23/18</a:t>
             </a:fld>
             <a:endParaRPr lang="en-US"/>
           </a:p>
@@ -2321,7 +2406,7 @@
           <a:p>
             <a:fld id="{78C97017-6FC3-485B-9764-EAC9E56C1D49}" type="datetimeFigureOut">
               <a:rPr lang="en-US" smtClean="0"/>
-              <a:t>8/12/2018</a:t>
+              <a:t>10/23/18</a:t>
             </a:fld>
             <a:endParaRPr lang="en-US"/>
           </a:p>
@@ -2416,7 +2501,7 @@
           <a:p>
             <a:fld id="{78C97017-6FC3-485B-9764-EAC9E56C1D49}" type="datetimeFigureOut">
               <a:rPr lang="en-US" smtClean="0"/>
-              <a:t>8/12/2018</a:t>
+              <a:t>10/23/18</a:t>
             </a:fld>
             <a:endParaRPr lang="en-US"/>
           </a:p>
@@ -2691,7 +2776,7 @@
           <a:p>
             <a:fld id="{78C97017-6FC3-485B-9764-EAC9E56C1D49}" type="datetimeFigureOut">
               <a:rPr lang="en-US" smtClean="0"/>
-              <a:t>8/12/2018</a:t>
+              <a:t>10/23/18</a:t>
             </a:fld>
             <a:endParaRPr lang="en-US"/>
           </a:p>
@@ -2943,7 +3028,7 @@
           <a:p>
             <a:fld id="{78C97017-6FC3-485B-9764-EAC9E56C1D49}" type="datetimeFigureOut">
               <a:rPr lang="en-US" smtClean="0"/>
-              <a:t>8/12/2018</a:t>
+              <a:t>10/23/18</a:t>
             </a:fld>
             <a:endParaRPr lang="en-US"/>
           </a:p>
@@ -3154,7 +3239,7 @@
           <a:p>
             <a:fld id="{78C97017-6FC3-485B-9764-EAC9E56C1D49}" type="datetimeFigureOut">
               <a:rPr lang="en-US" smtClean="0"/>
-              <a:t>8/12/2018</a:t>
+              <a:t>10/23/18</a:t>
             </a:fld>
             <a:endParaRPr lang="en-US"/>
           </a:p>
@@ -3549,14 +3634,9 @@
               <a:t>AddressBook</a:t>
             </a:r>
             <a:r>
-              <a:rPr lang="en-US" dirty="0"/>
-              <a:t> – </a:t>
-            </a:r>
-            <a:r>
               <a:rPr lang="en-US"/>
-              <a:t>Level 3</a:t>
-            </a:r>
-            <a:endParaRPr lang="en-US" dirty="0"/>
+              <a:t> – Level 3</a:t>
+            </a:r>
           </a:p>
         </p:txBody>
       </p:sp>
@@ -3576,7 +3656,7 @@
           <a:lstStyle/>
           <a:p>
             <a:r>
-              <a:rPr lang="en-US" dirty="0"/>
+              <a:rPr lang="en-US"/>
               <a:t>Diagrams</a:t>
             </a:r>
           </a:p>
@@ -6760,7 +6840,7 @@
     </p:spTree>
     <p:extLst>
       <p:ext uri="{BB962C8B-B14F-4D97-AF65-F5344CB8AC3E}">
-        <p14:creationId xmlns:p14="http://schemas.microsoft.com/office/powerpoint/2010/main" val="3376861716"/>
+        <p14:creationId xmlns:p14="http://schemas.microsoft.com/office/powerpoint/2010/main" val="3914811721"/>
       </p:ext>
     </p:extLst>
   </p:cSld>
@@ -6789,37 +6869,108 @@
       </p:grpSpPr>
       <p:sp>
         <p:nvSpPr>
-          <p:cNvPr id="2" name="Rectangle 18"/>
+          <p:cNvPr id="121" name="Rectangle 65">
+            <a:extLst>
+              <a:ext uri="{FF2B5EF4-FFF2-40B4-BE49-F238E27FC236}">
+                <a16:creationId xmlns:a16="http://schemas.microsoft.com/office/drawing/2014/main" id="{086EC494-02BC-2144-8FD2-3160BE7B5759}"/>
+              </a:ext>
+            </a:extLst>
+          </p:cNvPr>
           <p:cNvSpPr/>
           <p:nvPr/>
         </p:nvSpPr>
         <p:spPr>
           <a:xfrm>
-            <a:off x="6637708" y="4352685"/>
-            <a:ext cx="929296" cy="346760"/>
+            <a:off x="1066800" y="1339280"/>
+            <a:ext cx="7490735" cy="3059747"/>
+          </a:xfrm>
+          <a:prstGeom prst="roundRect">
+            <a:avLst>
+              <a:gd name="adj" fmla="val 3484"/>
+            </a:avLst>
+          </a:prstGeom>
+          <a:solidFill>
+            <a:schemeClr val="accent3">
+              <a:lumMod val="20000"/>
+              <a:lumOff val="80000"/>
+            </a:schemeClr>
+          </a:solidFill>
+          <a:ln w="19050">
+            <a:noFill/>
+          </a:ln>
+          <a:effectLst/>
+        </p:spPr>
+        <p:style>
+          <a:lnRef idx="1">
+            <a:schemeClr val="accent2"/>
+          </a:lnRef>
+          <a:fillRef idx="2">
+            <a:schemeClr val="accent2"/>
+          </a:fillRef>
+          <a:effectRef idx="1">
+            <a:schemeClr val="accent2"/>
+          </a:effectRef>
+          <a:fontRef idx="minor">
+            <a:schemeClr val="dk1"/>
+          </a:fontRef>
+        </p:style>
+        <p:txBody>
+          <a:bodyPr rtlCol="0" anchor="t"/>
+          <a:lstStyle/>
+          <a:p>
+            <a:r>
+              <a:rPr lang="en-US" sz="1200" b="1" dirty="0">
+                <a:solidFill>
+                  <a:schemeClr val="accent3">
+                    <a:lumMod val="75000"/>
+                  </a:schemeClr>
+                </a:solidFill>
+              </a:rPr>
+              <a:t>Storage</a:t>
+            </a:r>
+            <a:endParaRPr lang="en-SG" sz="1200" b="1" dirty="0">
+              <a:solidFill>
+                <a:schemeClr val="accent3">
+                  <a:lumMod val="75000"/>
+                </a:schemeClr>
+              </a:solidFill>
+            </a:endParaRPr>
+          </a:p>
+        </p:txBody>
+      </p:sp>
+      <p:sp>
+        <p:nvSpPr>
+          <p:cNvPr id="23" name="Rectangle 22"/>
+          <p:cNvSpPr/>
+          <p:nvPr/>
+        </p:nvSpPr>
+        <p:spPr>
+          <a:xfrm>
+            <a:off x="1759394" y="2671831"/>
+            <a:ext cx="790193" cy="346760"/>
           </a:xfrm>
           <a:prstGeom prst="rect">
             <a:avLst/>
           </a:prstGeom>
           <a:solidFill>
-            <a:srgbClr val="7030A0"/>
+            <a:srgbClr val="00B050"/>
           </a:solidFill>
           <a:ln w="19050">
             <a:solidFill>
-              <a:srgbClr val="7030A0"/>
+              <a:srgbClr val="00B050"/>
             </a:solidFill>
           </a:ln>
           <a:effectLst/>
         </p:spPr>
         <p:style>
           <a:lnRef idx="1">
-            <a:schemeClr val="accent6"/>
-          </a:lnRef>
-          <a:fillRef idx="2">
-            <a:schemeClr val="accent6"/>
-          </a:fillRef>
-          <a:effectRef idx="1">
-            <a:schemeClr val="accent6"/>
+            <a:schemeClr val="accent2"/>
+          </a:lnRef>
+          <a:fillRef idx="2">
+            <a:schemeClr val="accent2"/>
+          </a:fillRef>
+          <a:effectRef idx="1">
+            <a:schemeClr val="accent2"/>
           </a:effectRef>
           <a:fontRef idx="minor">
             <a:schemeClr val="dk1"/>
@@ -6836,7 +6987,7 @@
                   <a:schemeClr val="bg1"/>
                 </a:solidFill>
               </a:rPr>
-              <a:t>Person</a:t>
+              <a:t>StorageFile</a:t>
             </a:r>
             <a:endParaRPr lang="en-SG" sz="1050" dirty="0">
               <a:solidFill>
@@ -6848,30 +6999,34 @@
       </p:sp>
       <p:sp>
         <p:nvSpPr>
-          <p:cNvPr id="3" name="Rectangle 128"/>
+          <p:cNvPr id="101" name="Rectangle 100"/>
           <p:cNvSpPr/>
           <p:nvPr/>
         </p:nvSpPr>
         <p:spPr>
           <a:xfrm>
-            <a:off x="6363802" y="5140408"/>
-            <a:ext cx="1408598" cy="346760"/>
+            <a:off x="3124200" y="2667000"/>
+            <a:ext cx="1219200" cy="346760"/>
           </a:xfrm>
           <a:prstGeom prst="rect">
             <a:avLst/>
           </a:prstGeom>
-          <a:ln w="19050"/>
-          <a:effectLst/>
-        </p:spPr>
-        <p:style>
-          <a:lnRef idx="1">
-            <a:schemeClr val="accent4"/>
-          </a:lnRef>
-          <a:fillRef idx="2">
-            <a:schemeClr val="accent4"/>
-          </a:fillRef>
-          <a:effectRef idx="1">
-            <a:schemeClr val="accent4"/>
+          <a:ln>
+            <a:solidFill>
+              <a:srgbClr val="00B050"/>
+            </a:solidFill>
+          </a:ln>
+          <a:effectLst/>
+        </p:spPr>
+        <p:style>
+          <a:lnRef idx="1">
+            <a:schemeClr val="accent3"/>
+          </a:lnRef>
+          <a:fillRef idx="2">
+            <a:schemeClr val="accent3"/>
+          </a:fillRef>
+          <a:effectRef idx="1">
+            <a:schemeClr val="accent3"/>
           </a:effectRef>
           <a:fontRef idx="minor">
             <a:schemeClr val="dk1"/>
@@ -6884,14 +7039,7 @@
             <a:pPr algn="ctr"/>
             <a:r>
               <a:rPr lang="en-US" sz="1050" dirty="0"/>
-              <a:t>&lt;&lt;interface&gt;&gt;</a:t>
-            </a:r>
-          </a:p>
-          <a:p>
-            <a:pPr algn="ctr"/>
-            <a:r>
-              <a:rPr lang="en-US" sz="1050" dirty="0" err="1"/>
-              <a:t>ReadOnlyPerson</a:t>
+              <a:t>AdaptedRms</a:t>
             </a:r>
             <a:endParaRPr lang="en-SG" sz="1050" dirty="0"/>
           </a:p>
@@ -6899,24 +7047,27 @@
       </p:sp>
       <p:cxnSp>
         <p:nvCxnSpPr>
-          <p:cNvPr id="4" name="Elbow Connector 131"/>
+          <p:cNvPr id="102" name="Elbow Connector 101"/>
           <p:cNvCxnSpPr>
-            <a:stCxn id="7" idx="2"/>
-            <a:endCxn id="3" idx="1"/>
+            <a:cxnSpLocks/>
+            <a:stCxn id="23" idx="3"/>
+            <a:endCxn id="101" idx="1"/>
           </p:cNvCxnSpPr>
           <p:nvPr/>
         </p:nvCxnSpPr>
         <p:spPr>
-          <a:xfrm rot="16200000" flipH="1">
-            <a:off x="5136573" y="4086558"/>
-            <a:ext cx="614343" cy="1840116"/>
-          </a:xfrm>
-          <a:prstGeom prst="bentConnector2">
-            <a:avLst/>
+          <a:xfrm flipV="1">
+            <a:off x="2549587" y="2840380"/>
+            <a:ext cx="574613" cy="4831"/>
+          </a:xfrm>
+          <a:prstGeom prst="bentConnector3">
+            <a:avLst>
+              <a:gd name="adj1" fmla="val 50000"/>
+            </a:avLst>
           </a:prstGeom>
           <a:ln w="19050">
             <a:solidFill>
-              <a:srgbClr val="C00000"/>
+              <a:srgbClr val="00B050"/>
             </a:solidFill>
             <a:prstDash val="dash"/>
             <a:headEnd type="none" w="med" len="med"/>
@@ -6939,59 +7090,24 @@
           </a:fontRef>
         </p:style>
       </p:cxnSp>
-      <p:sp>
-        <p:nvSpPr>
-          <p:cNvPr id="5" name="Isosceles Triangle 134"/>
-          <p:cNvSpPr/>
-          <p:nvPr/>
-        </p:nvSpPr>
-        <p:spPr>
-          <a:xfrm rot="10800000">
-            <a:off x="6964221" y="4953000"/>
-            <a:ext cx="270504" cy="175523"/>
-          </a:xfrm>
-          <a:prstGeom prst="triangle">
-            <a:avLst/>
-          </a:prstGeom>
-          <a:ln w="19050"/>
-          <a:effectLst/>
-        </p:spPr>
-        <p:style>
-          <a:lnRef idx="1">
-            <a:schemeClr val="accent4"/>
-          </a:lnRef>
-          <a:fillRef idx="2">
-            <a:schemeClr val="accent4"/>
-          </a:fillRef>
-          <a:effectRef idx="1">
-            <a:schemeClr val="accent4"/>
-          </a:effectRef>
-          <a:fontRef idx="minor">
-            <a:schemeClr val="dk1"/>
-          </a:fontRef>
-        </p:style>
-        <p:txBody>
-          <a:bodyPr rtlCol="0" anchor="ctr"/>
-          <a:lstStyle/>
-          <a:p>
-            <a:pPr algn="ctr"/>
-            <a:endParaRPr lang="en-SG" sz="1050"/>
-          </a:p>
-        </p:txBody>
-      </p:sp>
       <p:cxnSp>
         <p:nvCxnSpPr>
-          <p:cNvPr id="6" name="Elbow Connector 135"/>
+          <p:cNvPr id="88" name="Elbow Connector 87">
+            <a:extLst>
+              <a:ext uri="{FF2B5EF4-FFF2-40B4-BE49-F238E27FC236}">
+                <a16:creationId xmlns:a16="http://schemas.microsoft.com/office/drawing/2014/main" id="{50569102-C5AC-3045-BE0F-F7D2181609E5}"/>
+              </a:ext>
+            </a:extLst>
+          </p:cNvPr>
           <p:cNvCxnSpPr>
-            <a:stCxn id="2" idx="2"/>
-            <a:endCxn id="5" idx="3"/>
+            <a:cxnSpLocks/>
           </p:cNvCxnSpPr>
           <p:nvPr/>
         </p:nvCxnSpPr>
         <p:spPr>
-          <a:xfrm rot="5400000">
-            <a:off x="6974138" y="4824781"/>
-            <a:ext cx="253555" cy="2883"/>
+          <a:xfrm flipV="1">
+            <a:off x="4352260" y="2845211"/>
+            <a:ext cx="287308" cy="1"/>
           </a:xfrm>
           <a:prstGeom prst="bentConnector3">
             <a:avLst>
@@ -7000,7 +7116,7 @@
           </a:prstGeom>
           <a:ln w="19050">
             <a:solidFill>
-              <a:srgbClr val="7030A0"/>
+              <a:srgbClr val="00B050"/>
             </a:solidFill>
             <a:prstDash val="dash"/>
             <a:headEnd type="none" w="med" len="med"/>
@@ -7010,13 +7126,13 @@
         </p:spPr>
         <p:style>
           <a:lnRef idx="1">
-            <a:schemeClr val="accent6"/>
-          </a:lnRef>
-          <a:fillRef idx="2">
-            <a:schemeClr val="accent6"/>
-          </a:fillRef>
-          <a:effectRef idx="1">
-            <a:schemeClr val="accent6"/>
+            <a:schemeClr val="accent2"/>
+          </a:lnRef>
+          <a:fillRef idx="2">
+            <a:schemeClr val="accent2"/>
+          </a:fillRef>
+          <a:effectRef idx="1">
+            <a:schemeClr val="accent2"/>
           </a:effectRef>
           <a:fontRef idx="minor">
             <a:schemeClr val="dk1"/>
@@ -7025,37 +7141,448 @@
       </p:cxnSp>
       <p:sp>
         <p:nvSpPr>
-          <p:cNvPr id="7" name="Rectangle 62"/>
+          <p:cNvPr id="94" name="Rectangle 93">
+            <a:extLst>
+              <a:ext uri="{FF2B5EF4-FFF2-40B4-BE49-F238E27FC236}">
+                <a16:creationId xmlns:a16="http://schemas.microsoft.com/office/drawing/2014/main" id="{026A2BB4-EEE4-DC4B-AD7C-08D2B563AEBA}"/>
+              </a:ext>
+            </a:extLst>
+          </p:cNvPr>
           <p:cNvSpPr/>
           <p:nvPr/>
         </p:nvSpPr>
         <p:spPr>
           <a:xfrm>
-            <a:off x="3650593" y="4352685"/>
-            <a:ext cx="1746186" cy="346760"/>
+            <a:off x="5181600" y="1755145"/>
+            <a:ext cx="1219200" cy="346760"/>
           </a:xfrm>
           <a:prstGeom prst="rect">
             <a:avLst/>
           </a:prstGeom>
-          <a:solidFill>
-            <a:srgbClr val="C00000"/>
-          </a:solidFill>
+          <a:ln>
+            <a:solidFill>
+              <a:srgbClr val="00B050"/>
+            </a:solidFill>
+          </a:ln>
+          <a:effectLst/>
+        </p:spPr>
+        <p:style>
+          <a:lnRef idx="1">
+            <a:schemeClr val="accent3"/>
+          </a:lnRef>
+          <a:fillRef idx="2">
+            <a:schemeClr val="accent3"/>
+          </a:fillRef>
+          <a:effectRef idx="1">
+            <a:schemeClr val="accent3"/>
+          </a:effectRef>
+          <a:fontRef idx="minor">
+            <a:schemeClr val="dk1"/>
+          </a:fontRef>
+        </p:style>
+        <p:txBody>
+          <a:bodyPr rtlCol="0" anchor="ctr"/>
+          <a:lstStyle/>
+          <a:p>
+            <a:pPr algn="ctr"/>
+            <a:r>
+              <a:rPr lang="en-US" sz="1050" dirty="0"/>
+              <a:t>AdaptedMenu</a:t>
+            </a:r>
+          </a:p>
+        </p:txBody>
+      </p:sp>
+      <p:sp>
+        <p:nvSpPr>
+          <p:cNvPr id="95" name="Rectangle 94">
+            <a:extLst>
+              <a:ext uri="{FF2B5EF4-FFF2-40B4-BE49-F238E27FC236}">
+                <a16:creationId xmlns:a16="http://schemas.microsoft.com/office/drawing/2014/main" id="{E45910F1-A408-FA42-8952-9876A360531A}"/>
+              </a:ext>
+            </a:extLst>
+          </p:cNvPr>
+          <p:cNvSpPr/>
+          <p:nvPr/>
+        </p:nvSpPr>
+        <p:spPr>
+          <a:xfrm>
+            <a:off x="5181600" y="2331172"/>
+            <a:ext cx="1219200" cy="346760"/>
+          </a:xfrm>
+          <a:prstGeom prst="rect">
+            <a:avLst/>
+          </a:prstGeom>
+          <a:ln>
+            <a:solidFill>
+              <a:srgbClr val="00B050"/>
+            </a:solidFill>
+          </a:ln>
+          <a:effectLst/>
+        </p:spPr>
+        <p:style>
+          <a:lnRef idx="1">
+            <a:schemeClr val="accent3"/>
+          </a:lnRef>
+          <a:fillRef idx="2">
+            <a:schemeClr val="accent3"/>
+          </a:fillRef>
+          <a:effectRef idx="1">
+            <a:schemeClr val="accent3"/>
+          </a:effectRef>
+          <a:fontRef idx="minor">
+            <a:schemeClr val="dk1"/>
+          </a:fontRef>
+        </p:style>
+        <p:txBody>
+          <a:bodyPr rtlCol="0" anchor="ctr"/>
+          <a:lstStyle/>
+          <a:p>
+            <a:pPr algn="ctr"/>
+            <a:r>
+              <a:rPr lang="en-US" sz="1050" dirty="0"/>
+              <a:t>AdaptedMember</a:t>
+            </a:r>
+          </a:p>
+        </p:txBody>
+      </p:sp>
+      <p:sp>
+        <p:nvSpPr>
+          <p:cNvPr id="97" name="Rectangle 96">
+            <a:extLst>
+              <a:ext uri="{FF2B5EF4-FFF2-40B4-BE49-F238E27FC236}">
+                <a16:creationId xmlns:a16="http://schemas.microsoft.com/office/drawing/2014/main" id="{F70D3B0E-BC44-4446-932A-AED3AA728520}"/>
+              </a:ext>
+            </a:extLst>
+          </p:cNvPr>
+          <p:cNvSpPr/>
+          <p:nvPr/>
+        </p:nvSpPr>
+        <p:spPr>
+          <a:xfrm>
+            <a:off x="5181600" y="2916491"/>
+            <a:ext cx="1219200" cy="346760"/>
+          </a:xfrm>
+          <a:prstGeom prst="rect">
+            <a:avLst/>
+          </a:prstGeom>
+          <a:ln>
+            <a:solidFill>
+              <a:srgbClr val="00B050"/>
+            </a:solidFill>
+          </a:ln>
+          <a:effectLst/>
+        </p:spPr>
+        <p:style>
+          <a:lnRef idx="1">
+            <a:schemeClr val="accent3"/>
+          </a:lnRef>
+          <a:fillRef idx="2">
+            <a:schemeClr val="accent3"/>
+          </a:fillRef>
+          <a:effectRef idx="1">
+            <a:schemeClr val="accent3"/>
+          </a:effectRef>
+          <a:fontRef idx="minor">
+            <a:schemeClr val="dk1"/>
+          </a:fontRef>
+        </p:style>
+        <p:txBody>
+          <a:bodyPr rtlCol="0" anchor="ctr"/>
+          <a:lstStyle/>
+          <a:p>
+            <a:pPr algn="ctr"/>
+            <a:r>
+              <a:rPr lang="en-US" sz="1050" dirty="0"/>
+              <a:t>AdaptedOrder</a:t>
+            </a:r>
+          </a:p>
+        </p:txBody>
+      </p:sp>
+      <p:sp>
+        <p:nvSpPr>
+          <p:cNvPr id="105" name="Rectangle 104">
+            <a:extLst>
+              <a:ext uri="{FF2B5EF4-FFF2-40B4-BE49-F238E27FC236}">
+                <a16:creationId xmlns:a16="http://schemas.microsoft.com/office/drawing/2014/main" id="{DDFEA238-0652-9947-AFA4-C347F582E760}"/>
+              </a:ext>
+            </a:extLst>
+          </p:cNvPr>
+          <p:cNvSpPr/>
+          <p:nvPr/>
+        </p:nvSpPr>
+        <p:spPr>
+          <a:xfrm>
+            <a:off x="5181600" y="3501810"/>
+            <a:ext cx="1219200" cy="346760"/>
+          </a:xfrm>
+          <a:prstGeom prst="rect">
+            <a:avLst/>
+          </a:prstGeom>
+          <a:ln>
+            <a:solidFill>
+              <a:srgbClr val="00B050"/>
+            </a:solidFill>
+          </a:ln>
+          <a:effectLst/>
+        </p:spPr>
+        <p:style>
+          <a:lnRef idx="1">
+            <a:schemeClr val="accent3"/>
+          </a:lnRef>
+          <a:fillRef idx="2">
+            <a:schemeClr val="accent3"/>
+          </a:fillRef>
+          <a:effectRef idx="1">
+            <a:schemeClr val="accent3"/>
+          </a:effectRef>
+          <a:fontRef idx="minor">
+            <a:schemeClr val="dk1"/>
+          </a:fontRef>
+        </p:style>
+        <p:txBody>
+          <a:bodyPr rtlCol="0" anchor="ctr"/>
+          <a:lstStyle/>
+          <a:p>
+            <a:pPr algn="ctr"/>
+            <a:r>
+              <a:rPr lang="en-US" sz="1050" dirty="0"/>
+              <a:t>AdaptedEmployee</a:t>
+            </a:r>
+          </a:p>
+        </p:txBody>
+      </p:sp>
+      <p:cxnSp>
+        <p:nvCxnSpPr>
+          <p:cNvPr id="112" name="Elbow Connector 111">
+            <a:extLst>
+              <a:ext uri="{FF2B5EF4-FFF2-40B4-BE49-F238E27FC236}">
+                <a16:creationId xmlns:a16="http://schemas.microsoft.com/office/drawing/2014/main" id="{C27B7814-2BED-DB42-875C-0CD8C4660C45}"/>
+              </a:ext>
+            </a:extLst>
+          </p:cNvPr>
+          <p:cNvCxnSpPr>
+            <a:cxnSpLocks/>
+            <a:endCxn id="94" idx="1"/>
+          </p:cNvCxnSpPr>
+          <p:nvPr/>
+        </p:nvCxnSpPr>
+        <p:spPr>
+          <a:xfrm rot="5400000" flipH="1" flipV="1">
+            <a:off x="4454655" y="2113439"/>
+            <a:ext cx="911858" cy="542031"/>
+          </a:xfrm>
+          <a:prstGeom prst="bentConnector2">
+            <a:avLst/>
+          </a:prstGeom>
           <a:ln w="19050">
             <a:solidFill>
-              <a:srgbClr val="C00000"/>
+              <a:srgbClr val="00B050"/>
+            </a:solidFill>
+            <a:prstDash val="dash"/>
+            <a:headEnd type="none" w="med" len="med"/>
+            <a:tailEnd type="arrow" w="med" len="med"/>
+          </a:ln>
+          <a:effectLst/>
+        </p:spPr>
+        <p:style>
+          <a:lnRef idx="1">
+            <a:schemeClr val="accent2"/>
+          </a:lnRef>
+          <a:fillRef idx="2">
+            <a:schemeClr val="accent2"/>
+          </a:fillRef>
+          <a:effectRef idx="1">
+            <a:schemeClr val="accent2"/>
+          </a:effectRef>
+          <a:fontRef idx="minor">
+            <a:schemeClr val="dk1"/>
+          </a:fontRef>
+        </p:style>
+      </p:cxnSp>
+      <p:cxnSp>
+        <p:nvCxnSpPr>
+          <p:cNvPr id="114" name="Elbow Connector 113">
+            <a:extLst>
+              <a:ext uri="{FF2B5EF4-FFF2-40B4-BE49-F238E27FC236}">
+                <a16:creationId xmlns:a16="http://schemas.microsoft.com/office/drawing/2014/main" id="{863B7D51-43DB-E144-9765-49D87D471375}"/>
+              </a:ext>
+            </a:extLst>
+          </p:cNvPr>
+          <p:cNvCxnSpPr>
+            <a:cxnSpLocks/>
+            <a:endCxn id="95" idx="1"/>
+          </p:cNvCxnSpPr>
+          <p:nvPr/>
+        </p:nvCxnSpPr>
+        <p:spPr>
+          <a:xfrm flipV="1">
+            <a:off x="4648429" y="2504552"/>
+            <a:ext cx="533171" cy="335830"/>
+          </a:xfrm>
+          <a:prstGeom prst="bentConnector3">
+            <a:avLst>
+              <a:gd name="adj1" fmla="val 50000"/>
+            </a:avLst>
+          </a:prstGeom>
+          <a:ln w="19050">
+            <a:solidFill>
+              <a:srgbClr val="00B050"/>
+            </a:solidFill>
+            <a:prstDash val="dash"/>
+            <a:headEnd type="none" w="med" len="med"/>
+            <a:tailEnd type="arrow" w="med" len="med"/>
+          </a:ln>
+          <a:effectLst/>
+        </p:spPr>
+        <p:style>
+          <a:lnRef idx="1">
+            <a:schemeClr val="accent2"/>
+          </a:lnRef>
+          <a:fillRef idx="2">
+            <a:schemeClr val="accent2"/>
+          </a:fillRef>
+          <a:effectRef idx="1">
+            <a:schemeClr val="accent2"/>
+          </a:effectRef>
+          <a:fontRef idx="minor">
+            <a:schemeClr val="dk1"/>
+          </a:fontRef>
+        </p:style>
+      </p:cxnSp>
+      <p:cxnSp>
+        <p:nvCxnSpPr>
+          <p:cNvPr id="116" name="Elbow Connector 115">
+            <a:extLst>
+              <a:ext uri="{FF2B5EF4-FFF2-40B4-BE49-F238E27FC236}">
+                <a16:creationId xmlns:a16="http://schemas.microsoft.com/office/drawing/2014/main" id="{5D363877-78E5-6740-845D-7975C3453781}"/>
+              </a:ext>
+            </a:extLst>
+          </p:cNvPr>
+          <p:cNvCxnSpPr>
+            <a:cxnSpLocks/>
+            <a:endCxn id="97" idx="1"/>
+          </p:cNvCxnSpPr>
+          <p:nvPr/>
+        </p:nvCxnSpPr>
+        <p:spPr>
+          <a:xfrm>
+            <a:off x="4639568" y="2842795"/>
+            <a:ext cx="542032" cy="247076"/>
+          </a:xfrm>
+          <a:prstGeom prst="bentConnector3">
+            <a:avLst>
+              <a:gd name="adj1" fmla="val 50000"/>
+            </a:avLst>
+          </a:prstGeom>
+          <a:ln w="19050">
+            <a:solidFill>
+              <a:srgbClr val="00B050"/>
+            </a:solidFill>
+            <a:prstDash val="dash"/>
+            <a:headEnd type="none" w="med" len="med"/>
+            <a:tailEnd type="arrow" w="med" len="med"/>
+          </a:ln>
+          <a:effectLst/>
+        </p:spPr>
+        <p:style>
+          <a:lnRef idx="1">
+            <a:schemeClr val="accent2"/>
+          </a:lnRef>
+          <a:fillRef idx="2">
+            <a:schemeClr val="accent2"/>
+          </a:fillRef>
+          <a:effectRef idx="1">
+            <a:schemeClr val="accent2"/>
+          </a:effectRef>
+          <a:fontRef idx="minor">
+            <a:schemeClr val="dk1"/>
+          </a:fontRef>
+        </p:style>
+      </p:cxnSp>
+      <p:cxnSp>
+        <p:nvCxnSpPr>
+          <p:cNvPr id="117" name="Elbow Connector 116">
+            <a:extLst>
+              <a:ext uri="{FF2B5EF4-FFF2-40B4-BE49-F238E27FC236}">
+                <a16:creationId xmlns:a16="http://schemas.microsoft.com/office/drawing/2014/main" id="{0D8A20C4-8876-7044-86FF-271960061710}"/>
+              </a:ext>
+            </a:extLst>
+          </p:cNvPr>
+          <p:cNvCxnSpPr>
+            <a:cxnSpLocks/>
+            <a:endCxn id="105" idx="1"/>
+          </p:cNvCxnSpPr>
+          <p:nvPr/>
+        </p:nvCxnSpPr>
+        <p:spPr>
+          <a:xfrm rot="16200000" flipH="1">
+            <a:off x="4503137" y="2996727"/>
+            <a:ext cx="806036" cy="550890"/>
+          </a:xfrm>
+          <a:prstGeom prst="bentConnector2">
+            <a:avLst/>
+          </a:prstGeom>
+          <a:ln w="19050">
+            <a:solidFill>
+              <a:srgbClr val="00B050"/>
+            </a:solidFill>
+            <a:prstDash val="dash"/>
+            <a:headEnd type="none" w="med" len="med"/>
+            <a:tailEnd type="arrow" w="med" len="med"/>
+          </a:ln>
+          <a:effectLst/>
+        </p:spPr>
+        <p:style>
+          <a:lnRef idx="1">
+            <a:schemeClr val="accent2"/>
+          </a:lnRef>
+          <a:fillRef idx="2">
+            <a:schemeClr val="accent2"/>
+          </a:fillRef>
+          <a:effectRef idx="1">
+            <a:schemeClr val="accent2"/>
+          </a:effectRef>
+          <a:fontRef idx="minor">
+            <a:schemeClr val="dk1"/>
+          </a:fontRef>
+        </p:style>
+      </p:cxnSp>
+      <p:sp>
+        <p:nvSpPr>
+          <p:cNvPr id="119" name="Rectangle 118">
+            <a:extLst>
+              <a:ext uri="{FF2B5EF4-FFF2-40B4-BE49-F238E27FC236}">
+                <a16:creationId xmlns:a16="http://schemas.microsoft.com/office/drawing/2014/main" id="{ACB4D554-F300-FA4F-86AB-AF4238D53744}"/>
+              </a:ext>
+            </a:extLst>
+          </p:cNvPr>
+          <p:cNvSpPr/>
+          <p:nvPr/>
+        </p:nvSpPr>
+        <p:spPr>
+          <a:xfrm>
+            <a:off x="7010400" y="1939240"/>
+            <a:ext cx="1219200" cy="346760"/>
+          </a:xfrm>
+          <a:prstGeom prst="rect">
+            <a:avLst/>
+          </a:prstGeom>
+          <a:ln>
+            <a:solidFill>
+              <a:srgbClr val="00B050"/>
             </a:solidFill>
           </a:ln>
           <a:effectLst/>
         </p:spPr>
         <p:style>
           <a:lnRef idx="1">
-            <a:schemeClr val="accent2"/>
-          </a:lnRef>
-          <a:fillRef idx="2">
-            <a:schemeClr val="accent2"/>
-          </a:fillRef>
-          <a:effectRef idx="1">
-            <a:schemeClr val="accent2"/>
+            <a:schemeClr val="accent3"/>
+          </a:lnRef>
+          <a:fillRef idx="2">
+            <a:schemeClr val="accent3"/>
+          </a:fillRef>
+          <a:effectRef idx="1">
+            <a:schemeClr val="accent3"/>
           </a:effectRef>
           <a:fontRef idx="minor">
             <a:schemeClr val="dk1"/>
@@ -7067,25 +7594,118 @@
           <a:p>
             <a:pPr algn="ctr"/>
             <a:r>
-              <a:rPr lang="en-US" sz="1050" dirty="0" err="1">
-                <a:solidFill>
-                  <a:schemeClr val="bg1"/>
-                </a:solidFill>
-              </a:rPr>
-              <a:t>MainWindow</a:t>
-            </a:r>
-            <a:endParaRPr lang="en-SG" sz="1050" dirty="0">
-              <a:solidFill>
-                <a:schemeClr val="bg1"/>
-              </a:solidFill>
-            </a:endParaRPr>
-          </a:p>
-        </p:txBody>
-      </p:sp>
+              <a:rPr lang="en-US" sz="1050" dirty="0"/>
+              <a:t>AdaptedTag</a:t>
+            </a:r>
+          </a:p>
+        </p:txBody>
+      </p:sp>
+      <p:cxnSp>
+        <p:nvCxnSpPr>
+          <p:cNvPr id="120" name="Elbow Connector 119">
+            <a:extLst>
+              <a:ext uri="{FF2B5EF4-FFF2-40B4-BE49-F238E27FC236}">
+                <a16:creationId xmlns:a16="http://schemas.microsoft.com/office/drawing/2014/main" id="{A22CE677-18F8-DE4A-9A52-FB7F0C16CB9F}"/>
+              </a:ext>
+            </a:extLst>
+          </p:cNvPr>
+          <p:cNvCxnSpPr>
+            <a:cxnSpLocks/>
+            <a:stCxn id="94" idx="3"/>
+            <a:endCxn id="119" idx="1"/>
+          </p:cNvCxnSpPr>
+          <p:nvPr/>
+        </p:nvCxnSpPr>
+        <p:spPr>
+          <a:xfrm>
+            <a:off x="6400800" y="1928525"/>
+            <a:ext cx="609600" cy="184095"/>
+          </a:xfrm>
+          <a:prstGeom prst="bentConnector3">
+            <a:avLst>
+              <a:gd name="adj1" fmla="val 50000"/>
+            </a:avLst>
+          </a:prstGeom>
+          <a:ln w="19050">
+            <a:solidFill>
+              <a:srgbClr val="00B050"/>
+            </a:solidFill>
+            <a:prstDash val="dash"/>
+            <a:headEnd type="none" w="med" len="med"/>
+            <a:tailEnd type="arrow" w="med" len="med"/>
+          </a:ln>
+          <a:effectLst/>
+        </p:spPr>
+        <p:style>
+          <a:lnRef idx="1">
+            <a:schemeClr val="accent2"/>
+          </a:lnRef>
+          <a:fillRef idx="2">
+            <a:schemeClr val="accent2"/>
+          </a:fillRef>
+          <a:effectRef idx="1">
+            <a:schemeClr val="accent2"/>
+          </a:effectRef>
+          <a:fontRef idx="minor">
+            <a:schemeClr val="dk1"/>
+          </a:fontRef>
+        </p:style>
+      </p:cxnSp>
+      <p:cxnSp>
+        <p:nvCxnSpPr>
+          <p:cNvPr id="122" name="Elbow Connector 121">
+            <a:extLst>
+              <a:ext uri="{FF2B5EF4-FFF2-40B4-BE49-F238E27FC236}">
+                <a16:creationId xmlns:a16="http://schemas.microsoft.com/office/drawing/2014/main" id="{A37276F1-B979-3D48-A47A-A28349DB3F47}"/>
+              </a:ext>
+            </a:extLst>
+          </p:cNvPr>
+          <p:cNvCxnSpPr>
+            <a:cxnSpLocks/>
+          </p:cNvCxnSpPr>
+          <p:nvPr/>
+        </p:nvCxnSpPr>
+        <p:spPr>
+          <a:xfrm flipV="1">
+            <a:off x="753821" y="2840380"/>
+            <a:ext cx="996712" cy="1"/>
+          </a:xfrm>
+          <a:prstGeom prst="bentConnector3">
+            <a:avLst>
+              <a:gd name="adj1" fmla="val 50000"/>
+            </a:avLst>
+          </a:prstGeom>
+          <a:ln w="19050">
+            <a:solidFill>
+              <a:schemeClr val="bg1">
+                <a:lumMod val="50000"/>
+              </a:schemeClr>
+            </a:solidFill>
+            <a:prstDash val="dash"/>
+            <a:headEnd type="none" w="med" len="med"/>
+            <a:tailEnd type="arrow" w="med" len="med"/>
+          </a:ln>
+          <a:effectLst/>
+        </p:spPr>
+        <p:style>
+          <a:lnRef idx="1">
+            <a:schemeClr val="accent2"/>
+          </a:lnRef>
+          <a:fillRef idx="2">
+            <a:schemeClr val="accent2"/>
+          </a:fillRef>
+          <a:effectRef idx="1">
+            <a:schemeClr val="accent2"/>
+          </a:effectRef>
+          <a:fontRef idx="minor">
+            <a:schemeClr val="dk1"/>
+          </a:fontRef>
+        </p:style>
+      </p:cxnSp>
     </p:spTree>
     <p:extLst>
       <p:ext uri="{BB962C8B-B14F-4D97-AF65-F5344CB8AC3E}">
-        <p14:creationId xmlns:p14="http://schemas.microsoft.com/office/powerpoint/2010/main" val="4275401693"/>
+        <p14:creationId xmlns:p14="http://schemas.microsoft.com/office/powerpoint/2010/main" val="3376861716"/>
       </p:ext>
     </p:extLst>
   </p:cSld>
@@ -7114,6 +7734,331 @@
       </p:grpSpPr>
       <p:sp>
         <p:nvSpPr>
+          <p:cNvPr id="2" name="Rectangle 18"/>
+          <p:cNvSpPr/>
+          <p:nvPr/>
+        </p:nvSpPr>
+        <p:spPr>
+          <a:xfrm>
+            <a:off x="6637708" y="4352685"/>
+            <a:ext cx="929296" cy="346760"/>
+          </a:xfrm>
+          <a:prstGeom prst="rect">
+            <a:avLst/>
+          </a:prstGeom>
+          <a:solidFill>
+            <a:srgbClr val="7030A0"/>
+          </a:solidFill>
+          <a:ln w="19050">
+            <a:solidFill>
+              <a:srgbClr val="7030A0"/>
+            </a:solidFill>
+          </a:ln>
+          <a:effectLst/>
+        </p:spPr>
+        <p:style>
+          <a:lnRef idx="1">
+            <a:schemeClr val="accent6"/>
+          </a:lnRef>
+          <a:fillRef idx="2">
+            <a:schemeClr val="accent6"/>
+          </a:fillRef>
+          <a:effectRef idx="1">
+            <a:schemeClr val="accent6"/>
+          </a:effectRef>
+          <a:fontRef idx="minor">
+            <a:schemeClr val="dk1"/>
+          </a:fontRef>
+        </p:style>
+        <p:txBody>
+          <a:bodyPr rtlCol="0" anchor="ctr"/>
+          <a:lstStyle/>
+          <a:p>
+            <a:pPr algn="ctr"/>
+            <a:r>
+              <a:rPr lang="en-US" sz="1050" dirty="0">
+                <a:solidFill>
+                  <a:schemeClr val="bg1"/>
+                </a:solidFill>
+              </a:rPr>
+              <a:t>Person</a:t>
+            </a:r>
+            <a:endParaRPr lang="en-SG" sz="1050" dirty="0">
+              <a:solidFill>
+                <a:schemeClr val="bg1"/>
+              </a:solidFill>
+            </a:endParaRPr>
+          </a:p>
+        </p:txBody>
+      </p:sp>
+      <p:sp>
+        <p:nvSpPr>
+          <p:cNvPr id="3" name="Rectangle 128"/>
+          <p:cNvSpPr/>
+          <p:nvPr/>
+        </p:nvSpPr>
+        <p:spPr>
+          <a:xfrm>
+            <a:off x="6363802" y="5140408"/>
+            <a:ext cx="1408598" cy="346760"/>
+          </a:xfrm>
+          <a:prstGeom prst="rect">
+            <a:avLst/>
+          </a:prstGeom>
+          <a:ln w="19050"/>
+          <a:effectLst/>
+        </p:spPr>
+        <p:style>
+          <a:lnRef idx="1">
+            <a:schemeClr val="accent4"/>
+          </a:lnRef>
+          <a:fillRef idx="2">
+            <a:schemeClr val="accent4"/>
+          </a:fillRef>
+          <a:effectRef idx="1">
+            <a:schemeClr val="accent4"/>
+          </a:effectRef>
+          <a:fontRef idx="minor">
+            <a:schemeClr val="dk1"/>
+          </a:fontRef>
+        </p:style>
+        <p:txBody>
+          <a:bodyPr rtlCol="0" anchor="ctr"/>
+          <a:lstStyle/>
+          <a:p>
+            <a:pPr algn="ctr"/>
+            <a:r>
+              <a:rPr lang="en-US" sz="1050" dirty="0"/>
+              <a:t>&lt;&lt;interface&gt;&gt;</a:t>
+            </a:r>
+          </a:p>
+          <a:p>
+            <a:pPr algn="ctr"/>
+            <a:r>
+              <a:rPr lang="en-US" sz="1050" dirty="0"/>
+              <a:t>ReadOnlyPerson</a:t>
+            </a:r>
+            <a:endParaRPr lang="en-SG" sz="1050" dirty="0"/>
+          </a:p>
+        </p:txBody>
+      </p:sp>
+      <p:cxnSp>
+        <p:nvCxnSpPr>
+          <p:cNvPr id="4" name="Elbow Connector 131"/>
+          <p:cNvCxnSpPr>
+            <a:stCxn id="7" idx="2"/>
+            <a:endCxn id="3" idx="1"/>
+          </p:cNvCxnSpPr>
+          <p:nvPr/>
+        </p:nvCxnSpPr>
+        <p:spPr>
+          <a:xfrm rot="16200000" flipH="1">
+            <a:off x="5136573" y="4086558"/>
+            <a:ext cx="614343" cy="1840116"/>
+          </a:xfrm>
+          <a:prstGeom prst="bentConnector2">
+            <a:avLst/>
+          </a:prstGeom>
+          <a:ln w="19050">
+            <a:solidFill>
+              <a:srgbClr val="C00000"/>
+            </a:solidFill>
+            <a:prstDash val="dash"/>
+            <a:headEnd type="none" w="med" len="med"/>
+            <a:tailEnd type="arrow" w="med" len="med"/>
+          </a:ln>
+          <a:effectLst/>
+        </p:spPr>
+        <p:style>
+          <a:lnRef idx="1">
+            <a:schemeClr val="accent2"/>
+          </a:lnRef>
+          <a:fillRef idx="2">
+            <a:schemeClr val="accent2"/>
+          </a:fillRef>
+          <a:effectRef idx="1">
+            <a:schemeClr val="accent2"/>
+          </a:effectRef>
+          <a:fontRef idx="minor">
+            <a:schemeClr val="dk1"/>
+          </a:fontRef>
+        </p:style>
+      </p:cxnSp>
+      <p:sp>
+        <p:nvSpPr>
+          <p:cNvPr id="5" name="Isosceles Triangle 134"/>
+          <p:cNvSpPr/>
+          <p:nvPr/>
+        </p:nvSpPr>
+        <p:spPr>
+          <a:xfrm rot="10800000">
+            <a:off x="6964221" y="4953000"/>
+            <a:ext cx="270504" cy="175523"/>
+          </a:xfrm>
+          <a:prstGeom prst="triangle">
+            <a:avLst/>
+          </a:prstGeom>
+          <a:ln w="19050"/>
+          <a:effectLst/>
+        </p:spPr>
+        <p:style>
+          <a:lnRef idx="1">
+            <a:schemeClr val="accent4"/>
+          </a:lnRef>
+          <a:fillRef idx="2">
+            <a:schemeClr val="accent4"/>
+          </a:fillRef>
+          <a:effectRef idx="1">
+            <a:schemeClr val="accent4"/>
+          </a:effectRef>
+          <a:fontRef idx="minor">
+            <a:schemeClr val="dk1"/>
+          </a:fontRef>
+        </p:style>
+        <p:txBody>
+          <a:bodyPr rtlCol="0" anchor="ctr"/>
+          <a:lstStyle/>
+          <a:p>
+            <a:pPr algn="ctr"/>
+            <a:endParaRPr lang="en-SG" sz="1050" dirty="0"/>
+          </a:p>
+        </p:txBody>
+      </p:sp>
+      <p:cxnSp>
+        <p:nvCxnSpPr>
+          <p:cNvPr id="6" name="Elbow Connector 135"/>
+          <p:cNvCxnSpPr>
+            <a:stCxn id="2" idx="2"/>
+            <a:endCxn id="5" idx="3"/>
+          </p:cNvCxnSpPr>
+          <p:nvPr/>
+        </p:nvCxnSpPr>
+        <p:spPr>
+          <a:xfrm rot="5400000">
+            <a:off x="6974138" y="4824781"/>
+            <a:ext cx="253555" cy="2883"/>
+          </a:xfrm>
+          <a:prstGeom prst="bentConnector3">
+            <a:avLst>
+              <a:gd name="adj1" fmla="val 50000"/>
+            </a:avLst>
+          </a:prstGeom>
+          <a:ln w="19050">
+            <a:solidFill>
+              <a:srgbClr val="7030A0"/>
+            </a:solidFill>
+            <a:prstDash val="dash"/>
+            <a:headEnd type="none" w="med" len="med"/>
+            <a:tailEnd type="none" w="med" len="med"/>
+          </a:ln>
+          <a:effectLst/>
+        </p:spPr>
+        <p:style>
+          <a:lnRef idx="1">
+            <a:schemeClr val="accent6"/>
+          </a:lnRef>
+          <a:fillRef idx="2">
+            <a:schemeClr val="accent6"/>
+          </a:fillRef>
+          <a:effectRef idx="1">
+            <a:schemeClr val="accent6"/>
+          </a:effectRef>
+          <a:fontRef idx="minor">
+            <a:schemeClr val="dk1"/>
+          </a:fontRef>
+        </p:style>
+      </p:cxnSp>
+      <p:sp>
+        <p:nvSpPr>
+          <p:cNvPr id="7" name="Rectangle 62"/>
+          <p:cNvSpPr/>
+          <p:nvPr/>
+        </p:nvSpPr>
+        <p:spPr>
+          <a:xfrm>
+            <a:off x="3650593" y="4352685"/>
+            <a:ext cx="1746186" cy="346760"/>
+          </a:xfrm>
+          <a:prstGeom prst="rect">
+            <a:avLst/>
+          </a:prstGeom>
+          <a:solidFill>
+            <a:srgbClr val="C00000"/>
+          </a:solidFill>
+          <a:ln w="19050">
+            <a:solidFill>
+              <a:srgbClr val="C00000"/>
+            </a:solidFill>
+          </a:ln>
+          <a:effectLst/>
+        </p:spPr>
+        <p:style>
+          <a:lnRef idx="1">
+            <a:schemeClr val="accent2"/>
+          </a:lnRef>
+          <a:fillRef idx="2">
+            <a:schemeClr val="accent2"/>
+          </a:fillRef>
+          <a:effectRef idx="1">
+            <a:schemeClr val="accent2"/>
+          </a:effectRef>
+          <a:fontRef idx="minor">
+            <a:schemeClr val="dk1"/>
+          </a:fontRef>
+        </p:style>
+        <p:txBody>
+          <a:bodyPr rtlCol="0" anchor="ctr"/>
+          <a:lstStyle/>
+          <a:p>
+            <a:pPr algn="ctr"/>
+            <a:r>
+              <a:rPr lang="en-US" sz="1050" dirty="0" err="1">
+                <a:solidFill>
+                  <a:schemeClr val="bg1"/>
+                </a:solidFill>
+              </a:rPr>
+              <a:t>MainWindow</a:t>
+            </a:r>
+            <a:endParaRPr lang="en-SG" sz="1050" dirty="0">
+              <a:solidFill>
+                <a:schemeClr val="bg1"/>
+              </a:solidFill>
+            </a:endParaRPr>
+          </a:p>
+        </p:txBody>
+      </p:sp>
+    </p:spTree>
+    <p:extLst>
+      <p:ext uri="{BB962C8B-B14F-4D97-AF65-F5344CB8AC3E}">
+        <p14:creationId xmlns:p14="http://schemas.microsoft.com/office/powerpoint/2010/main" val="4275401693"/>
+      </p:ext>
+    </p:extLst>
+  </p:cSld>
+  <p:clrMapOvr>
+    <a:masterClrMapping/>
+  </p:clrMapOvr>
+</p:sld>
+</file>
+
+<file path=ppt/slides/slide5.xml><?xml version="1.0" encoding="utf-8"?>
+<p:sld xmlns:a="http://schemas.openxmlformats.org/drawingml/2006/main" xmlns:r="http://schemas.openxmlformats.org/officeDocument/2006/relationships" xmlns:p="http://schemas.openxmlformats.org/presentationml/2006/main">
+  <p:cSld>
+    <p:spTree>
+      <p:nvGrpSpPr>
+        <p:cNvPr id="1" name=""/>
+        <p:cNvGrpSpPr/>
+        <p:nvPr/>
+      </p:nvGrpSpPr>
+      <p:grpSpPr>
+        <a:xfrm>
+          <a:off x="0" y="0"/>
+          <a:ext cx="0" cy="0"/>
+          <a:chOff x="0" y="0"/>
+          <a:chExt cx="0" cy="0"/>
+        </a:xfrm>
+      </p:grpSpPr>
+      <p:sp>
+        <p:nvSpPr>
           <p:cNvPr id="2" name="Rectangle 22"/>
           <p:cNvSpPr/>
           <p:nvPr/>
@@ -7156,7 +8101,7 @@
           <a:p>
             <a:pPr algn="ctr"/>
             <a:r>
-              <a:rPr lang="en-US" sz="1050" dirty="0" err="1">
+              <a:rPr lang="en-US" sz="1050" dirty="0">
                 <a:solidFill>
                   <a:schemeClr val="bg1"/>
                 </a:solidFill>
@@ -7258,14 +8203,14 @@
           <a:p>
             <a:pPr algn="ctr"/>
             <a:r>
-              <a:rPr lang="en-US" sz="1050" dirty="0">
+              <a:rPr lang="en-US" sz="1050">
                 <a:solidFill>
                   <a:schemeClr val="bg1"/>
                 </a:solidFill>
               </a:rPr>
               <a:t>Logic</a:t>
             </a:r>
-            <a:endParaRPr lang="en-SG" sz="1050" dirty="0">
+            <a:endParaRPr lang="en-SG" sz="1050">
               <a:solidFill>
                 <a:schemeClr val="bg1"/>
               </a:solidFill>
@@ -7309,14 +8254,14 @@
           <a:p>
             <a:pPr algn="ctr"/>
             <a:r>
-              <a:rPr lang="en-US" sz="1050" dirty="0" err="1">
+              <a:rPr lang="en-US" sz="1050" err="1">
                 <a:solidFill>
                   <a:srgbClr val="0070C0"/>
                 </a:solidFill>
               </a:rPr>
               <a:t>LogicTest</a:t>
             </a:r>
-            <a:endParaRPr lang="en-SG" sz="1050" dirty="0">
+            <a:endParaRPr lang="en-SG" sz="1050">
               <a:solidFill>
                 <a:srgbClr val="0070C0"/>
               </a:solidFill>
@@ -7454,7 +8399,7 @@
           <a:p>
             <a:pPr algn="ctr"/>
             <a:r>
-              <a:rPr lang="en-US" sz="1050" dirty="0">
+              <a:rPr lang="en-US" sz="1050">
                 <a:solidFill>
                   <a:schemeClr val="bg1"/>
                 </a:solidFill>
@@ -7462,21 +8407,21 @@
               <a:t>{abstract}</a:t>
             </a:r>
             <a:br>
-              <a:rPr lang="en-US" sz="1050" dirty="0">
+              <a:rPr lang="en-US" sz="1050">
                 <a:solidFill>
                   <a:schemeClr val="bg1"/>
                 </a:solidFill>
               </a:rPr>
             </a:br>
             <a:r>
-              <a:rPr lang="en-US" sz="1050" dirty="0">
+              <a:rPr lang="en-US" sz="1050">
                 <a:solidFill>
                   <a:schemeClr val="bg1"/>
                 </a:solidFill>
               </a:rPr>
               <a:t>Storage</a:t>
             </a:r>
-            <a:endParaRPr lang="en-SG" sz="1050" dirty="0">
+            <a:endParaRPr lang="en-SG" sz="1050">
               <a:solidFill>
                 <a:schemeClr val="bg1"/>
               </a:solidFill>
@@ -7571,14 +8516,14 @@
           <a:p>
             <a:pPr algn="ctr"/>
             <a:r>
-              <a:rPr lang="en-US" sz="1050" dirty="0">
+              <a:rPr lang="en-US" sz="1050">
                 <a:solidFill>
                   <a:schemeClr val="bg1"/>
                 </a:solidFill>
               </a:rPr>
               <a:t>Logic</a:t>
             </a:r>
-            <a:endParaRPr lang="en-SG" sz="1050" dirty="0">
+            <a:endParaRPr lang="en-SG" sz="1050">
               <a:solidFill>
                 <a:schemeClr val="bg1"/>
               </a:solidFill>
@@ -7622,14 +8567,14 @@
           <a:p>
             <a:pPr algn="ctr"/>
             <a:r>
-              <a:rPr lang="en-US" sz="1050" dirty="0" err="1">
+              <a:rPr lang="en-US" sz="1050" err="1">
                 <a:solidFill>
                   <a:srgbClr val="0070C0"/>
                 </a:solidFill>
               </a:rPr>
               <a:t>LogicTest</a:t>
             </a:r>
-            <a:endParaRPr lang="en-SG" sz="1050" dirty="0">
+            <a:endParaRPr lang="en-SG" sz="1050">
               <a:solidFill>
                 <a:srgbClr val="0070C0"/>
               </a:solidFill>
@@ -7765,14 +8710,14 @@
           <a:p>
             <a:pPr algn="ctr"/>
             <a:r>
-              <a:rPr lang="en-US" sz="1050" dirty="0" err="1">
+              <a:rPr lang="en-US" sz="1050" err="1">
                 <a:solidFill>
                   <a:srgbClr val="00B050"/>
                 </a:solidFill>
               </a:rPr>
               <a:t>StorageStub</a:t>
             </a:r>
-            <a:endParaRPr lang="en-SG" sz="1050" dirty="0">
+            <a:endParaRPr lang="en-SG" sz="1050">
               <a:solidFill>
                 <a:srgbClr val="00B050"/>
               </a:solidFill>
@@ -7824,7 +8769,7 @@
           <a:p>
             <a:pPr algn="ctr"/>
             <a:r>
-              <a:rPr lang="en-US" sz="1050" dirty="0" err="1">
+              <a:rPr lang="en-US" sz="1050" dirty="0">
                 <a:solidFill>
                   <a:schemeClr val="bg1"/>
                 </a:solidFill>
@@ -8063,7 +9008,7 @@
           <a:p>
             <a:pPr algn="ctr"/>
             <a:r>
-              <a:rPr lang="en-US" sz="1050" dirty="0" err="1">
+              <a:rPr lang="en-US" sz="1050" dirty="0">
                 <a:solidFill>
                   <a:schemeClr val="bg1"/>
                 </a:solidFill>
@@ -8165,14 +9110,14 @@
           <a:p>
             <a:pPr algn="ctr"/>
             <a:r>
-              <a:rPr lang="en-US" sz="1050" dirty="0">
+              <a:rPr lang="en-US" sz="1050">
                 <a:solidFill>
                   <a:schemeClr val="bg1"/>
                 </a:solidFill>
               </a:rPr>
               <a:t>Logic</a:t>
             </a:r>
-            <a:endParaRPr lang="en-SG" sz="1050" dirty="0">
+            <a:endParaRPr lang="en-SG" sz="1050">
               <a:solidFill>
                 <a:schemeClr val="bg1"/>
               </a:solidFill>
@@ -8224,7 +9169,7 @@
           <a:p>
             <a:pPr algn="ctr"/>
             <a:r>
-              <a:rPr lang="en-US" sz="1050" dirty="0">
+              <a:rPr lang="en-US" sz="1050">
                 <a:solidFill>
                   <a:schemeClr val="bg1"/>
                 </a:solidFill>
@@ -8232,21 +9177,21 @@
               <a:t>{abstract}</a:t>
             </a:r>
             <a:br>
-              <a:rPr lang="en-US" sz="1050" dirty="0">
+              <a:rPr lang="en-US" sz="1050">
                 <a:solidFill>
                   <a:schemeClr val="bg1"/>
                 </a:solidFill>
               </a:rPr>
             </a:br>
             <a:r>
-              <a:rPr lang="en-US" sz="1050" dirty="0">
+              <a:rPr lang="en-US" sz="1050">
                 <a:solidFill>
                   <a:schemeClr val="bg1"/>
                 </a:solidFill>
               </a:rPr>
               <a:t>Storage</a:t>
             </a:r>
-            <a:endParaRPr lang="en-SG" sz="1050" dirty="0">
+            <a:endParaRPr lang="en-SG" sz="1050">
               <a:solidFill>
                 <a:schemeClr val="bg1"/>
               </a:solidFill>
@@ -8341,14 +9286,14 @@
           <a:p>
             <a:pPr algn="ctr"/>
             <a:r>
-              <a:rPr lang="en-US" sz="1050" dirty="0">
+              <a:rPr lang="en-US" sz="1050">
                 <a:solidFill>
                   <a:schemeClr val="bg1"/>
                 </a:solidFill>
               </a:rPr>
               <a:t>Logic</a:t>
             </a:r>
-            <a:endParaRPr lang="en-SG" sz="1050" dirty="0">
+            <a:endParaRPr lang="en-SG" sz="1050">
               <a:solidFill>
                 <a:schemeClr val="bg1"/>
               </a:solidFill>
@@ -8400,7 +9345,7 @@
           <a:p>
             <a:pPr algn="ctr"/>
             <a:r>
-              <a:rPr lang="en-US" sz="1050" dirty="0" err="1">
+              <a:rPr lang="en-US" sz="1050" dirty="0">
                 <a:solidFill>
                   <a:schemeClr val="bg1"/>
                 </a:solidFill>
@@ -8595,7 +9540,7 @@
           <a:p>
             <a:pPr algn="ctr"/>
             <a:r>
-              <a:rPr lang="en-US" sz="1050" dirty="0" err="1">
+              <a:rPr lang="en-US" sz="1050" dirty="0">
                 <a:solidFill>
                   <a:schemeClr val="bg1"/>
                 </a:solidFill>
@@ -8697,14 +9642,14 @@
           <a:p>
             <a:pPr algn="ctr"/>
             <a:r>
-              <a:rPr lang="en-US" sz="1050" dirty="0">
+              <a:rPr lang="en-US" sz="1050">
                 <a:solidFill>
                   <a:schemeClr val="bg1"/>
                 </a:solidFill>
               </a:rPr>
               <a:t>Logic</a:t>
             </a:r>
-            <a:endParaRPr lang="en-SG" sz="1050" dirty="0">
+            <a:endParaRPr lang="en-SG" sz="1050">
               <a:solidFill>
                 <a:schemeClr val="bg1"/>
               </a:solidFill>
@@ -8748,14 +9693,14 @@
           <a:p>
             <a:pPr algn="ctr"/>
             <a:r>
-              <a:rPr lang="en-US" sz="1050" dirty="0" err="1">
+              <a:rPr lang="en-US" sz="1050" err="1">
                 <a:solidFill>
                   <a:srgbClr val="0070C0"/>
                 </a:solidFill>
               </a:rPr>
               <a:t>LogicTest</a:t>
             </a:r>
-            <a:endParaRPr lang="en-SG" sz="1050" dirty="0">
+            <a:endParaRPr lang="en-SG" sz="1050">
               <a:solidFill>
                 <a:srgbClr val="0070C0"/>
               </a:solidFill>
@@ -8891,14 +9836,14 @@
           <a:p>
             <a:pPr algn="ctr"/>
             <a:r>
-              <a:rPr lang="en-US" sz="1050" dirty="0" err="1">
+              <a:rPr lang="en-US" sz="1050" err="1">
                 <a:solidFill>
                   <a:srgbClr val="00B050"/>
                 </a:solidFill>
               </a:rPr>
               <a:t>StorageStub</a:t>
             </a:r>
-            <a:endParaRPr lang="en-SG" sz="1050" dirty="0">
+            <a:endParaRPr lang="en-SG" sz="1050">
               <a:solidFill>
                 <a:srgbClr val="00B050"/>
               </a:solidFill>
@@ -9031,7 +9976,7 @@
           <a:p>
             <a:pPr algn="ctr"/>
             <a:r>
-              <a:rPr lang="en-SG" sz="1050" dirty="0"/>
+              <a:rPr lang="en-SG" sz="1050"/>
               <a:t>&lt;&lt;interface&gt;&gt; Printable</a:t>
             </a:r>
           </a:p>
@@ -9074,10 +10019,10 @@
           <a:p>
             <a:pPr algn="ctr"/>
             <a:r>
-              <a:rPr lang="en-US" sz="1050" dirty="0"/>
+              <a:rPr lang="en-US" sz="1050"/>
               <a:t>Phone</a:t>
             </a:r>
-            <a:endParaRPr lang="en-SG" sz="1050" dirty="0"/>
+            <a:endParaRPr lang="en-SG" sz="1050"/>
           </a:p>
         </p:txBody>
       </p:sp>
@@ -9118,10 +10063,10 @@
           <a:p>
             <a:pPr algn="ctr"/>
             <a:r>
-              <a:rPr lang="en-US" sz="1050" dirty="0"/>
+              <a:rPr lang="en-US" sz="1050"/>
               <a:t>Email</a:t>
             </a:r>
-            <a:endParaRPr lang="en-SG" sz="1050" dirty="0"/>
+            <a:endParaRPr lang="en-SG" sz="1050"/>
           </a:p>
         </p:txBody>
       </p:sp>
@@ -9162,10 +10107,10 @@
           <a:p>
             <a:pPr algn="ctr"/>
             <a:r>
-              <a:rPr lang="en-US" sz="1050" dirty="0"/>
+              <a:rPr lang="en-US" sz="1050"/>
               <a:t>Address</a:t>
             </a:r>
-            <a:endParaRPr lang="en-SG" sz="1050" dirty="0"/>
+            <a:endParaRPr lang="en-SG" sz="1050"/>
           </a:p>
         </p:txBody>
       </p:sp>
@@ -9363,10 +10308,10 @@
           <a:p>
             <a:pPr algn="ctr"/>
             <a:r>
-              <a:rPr lang="en-US" sz="1050" dirty="0"/>
+              <a:rPr lang="en-US" sz="1050"/>
               <a:t>Name</a:t>
             </a:r>
-            <a:endParaRPr lang="en-SG" sz="1050" dirty="0"/>
+            <a:endParaRPr lang="en-SG" sz="1050"/>
           </a:p>
         </p:txBody>
       </p:sp>
@@ -9445,7 +10390,7 @@
           <a:lstStyle/>
           <a:p>
             <a:pPr algn="ctr"/>
-            <a:endParaRPr lang="en-SG" sz="1050" dirty="0"/>
+            <a:endParaRPr lang="en-SG" sz="1050"/>
           </a:p>
         </p:txBody>
       </p:sp>
@@ -9486,18 +10431,18 @@
           <a:p>
             <a:pPr algn="ctr"/>
             <a:r>
-              <a:rPr lang="en-US" sz="1050" dirty="0"/>
+              <a:rPr lang="en-US" sz="1050"/>
               <a:t>+ </a:t>
             </a:r>
             <a:r>
-              <a:rPr lang="en-US" sz="1050" dirty="0" err="1"/>
+              <a:rPr lang="en-US" sz="1050" err="1"/>
               <a:t>getPrintableString</a:t>
             </a:r>
             <a:r>
-              <a:rPr lang="en-US" sz="1050" dirty="0"/>
+              <a:rPr lang="en-US" sz="1050"/>
               <a:t>(): String</a:t>
             </a:r>
-            <a:endParaRPr lang="en-SG" sz="1050" dirty="0"/>
+            <a:endParaRPr lang="en-SG" sz="1050"/>
           </a:p>
         </p:txBody>
       </p:sp>

--- a/docs/Diagrams.pptx
+++ b/docs/Diagrams.pptx
@@ -7005,7 +7005,7 @@
         </p:nvSpPr>
         <p:spPr>
           <a:xfrm>
-            <a:off x="3124200" y="2667000"/>
+            <a:off x="2971800" y="2667000"/>
             <a:ext cx="1219200" cy="346760"/>
           </a:xfrm>
           <a:prstGeom prst="rect">
@@ -7058,7 +7058,7 @@
         <p:spPr>
           <a:xfrm flipV="1">
             <a:off x="2549587" y="2840380"/>
-            <a:ext cx="574613" cy="4831"/>
+            <a:ext cx="422213" cy="4831"/>
           </a:xfrm>
           <a:prstGeom prst="bentConnector3">
             <a:avLst>
@@ -7101,13 +7101,14 @@
           </p:cNvPr>
           <p:cNvCxnSpPr>
             <a:cxnSpLocks/>
+            <a:stCxn id="18" idx="3"/>
           </p:cNvCxnSpPr>
           <p:nvPr/>
         </p:nvCxnSpPr>
         <p:spPr>
-          <a:xfrm flipV="1">
-            <a:off x="4352260" y="2845211"/>
-            <a:ext cx="287308" cy="1"/>
+          <a:xfrm>
+            <a:off x="4478308" y="2833728"/>
+            <a:ext cx="161260" cy="11484"/>
           </a:xfrm>
           <a:prstGeom prst="bentConnector3">
             <a:avLst>
@@ -7611,15 +7612,15 @@
           </p:cNvPr>
           <p:cNvCxnSpPr>
             <a:cxnSpLocks/>
-            <a:stCxn id="94" idx="3"/>
+            <a:stCxn id="21" idx="3"/>
             <a:endCxn id="119" idx="1"/>
           </p:cNvCxnSpPr>
           <p:nvPr/>
         </p:nvCxnSpPr>
         <p:spPr>
           <a:xfrm>
-            <a:off x="6400800" y="1928525"/>
-            <a:ext cx="609600" cy="184095"/>
+            <a:off x="6688108" y="1939240"/>
+            <a:ext cx="322292" cy="173380"/>
           </a:xfrm>
           <a:prstGeom prst="bentConnector3">
             <a:avLst>
@@ -7702,6 +7703,108 @@
           </a:fontRef>
         </p:style>
       </p:cxnSp>
+      <p:sp>
+        <p:nvSpPr>
+          <p:cNvPr id="18" name="Flowchart: Decision 105">
+            <a:extLst>
+              <a:ext uri="{FF2B5EF4-FFF2-40B4-BE49-F238E27FC236}">
+                <a16:creationId xmlns:a16="http://schemas.microsoft.com/office/drawing/2014/main" id="{C35DD549-19A0-EB48-AACD-DFE0E507DB79}"/>
+              </a:ext>
+            </a:extLst>
+          </p:cNvPr>
+          <p:cNvSpPr/>
+          <p:nvPr/>
+        </p:nvSpPr>
+        <p:spPr>
+          <a:xfrm>
+            <a:off x="4191000" y="2728212"/>
+            <a:ext cx="287308" cy="211031"/>
+          </a:xfrm>
+          <a:prstGeom prst="flowChartDecision">
+            <a:avLst/>
+          </a:prstGeom>
+          <a:solidFill>
+            <a:srgbClr val="00B050"/>
+          </a:solidFill>
+          <a:ln w="19050">
+            <a:noFill/>
+          </a:ln>
+          <a:effectLst/>
+        </p:spPr>
+        <p:style>
+          <a:lnRef idx="1">
+            <a:schemeClr val="accent6"/>
+          </a:lnRef>
+          <a:fillRef idx="2">
+            <a:schemeClr val="accent6"/>
+          </a:fillRef>
+          <a:effectRef idx="1">
+            <a:schemeClr val="accent6"/>
+          </a:effectRef>
+          <a:fontRef idx="minor">
+            <a:schemeClr val="dk1"/>
+          </a:fontRef>
+        </p:style>
+        <p:txBody>
+          <a:bodyPr rtlCol="0" anchor="ctr"/>
+          <a:lstStyle/>
+          <a:p>
+            <a:pPr algn="ctr"/>
+            <a:endParaRPr lang="en-US" sz="1050" dirty="0"/>
+          </a:p>
+        </p:txBody>
+      </p:sp>
+      <p:sp>
+        <p:nvSpPr>
+          <p:cNvPr id="21" name="Flowchart: Decision 105">
+            <a:extLst>
+              <a:ext uri="{FF2B5EF4-FFF2-40B4-BE49-F238E27FC236}">
+                <a16:creationId xmlns:a16="http://schemas.microsoft.com/office/drawing/2014/main" id="{2154971C-476F-934C-ADF5-8296CCB16984}"/>
+              </a:ext>
+            </a:extLst>
+          </p:cNvPr>
+          <p:cNvSpPr/>
+          <p:nvPr/>
+        </p:nvSpPr>
+        <p:spPr>
+          <a:xfrm>
+            <a:off x="6400800" y="1833724"/>
+            <a:ext cx="287308" cy="211031"/>
+          </a:xfrm>
+          <a:prstGeom prst="flowChartDecision">
+            <a:avLst/>
+          </a:prstGeom>
+          <a:solidFill>
+            <a:srgbClr val="00B050"/>
+          </a:solidFill>
+          <a:ln w="19050">
+            <a:noFill/>
+          </a:ln>
+          <a:effectLst/>
+        </p:spPr>
+        <p:style>
+          <a:lnRef idx="1">
+            <a:schemeClr val="accent6"/>
+          </a:lnRef>
+          <a:fillRef idx="2">
+            <a:schemeClr val="accent6"/>
+          </a:fillRef>
+          <a:effectRef idx="1">
+            <a:schemeClr val="accent6"/>
+          </a:effectRef>
+          <a:fontRef idx="minor">
+            <a:schemeClr val="dk1"/>
+          </a:fontRef>
+        </p:style>
+        <p:txBody>
+          <a:bodyPr rtlCol="0" anchor="ctr"/>
+          <a:lstStyle/>
+          <a:p>
+            <a:pPr algn="ctr"/>
+            <a:endParaRPr lang="en-US" sz="1050" dirty="0"/>
+          </a:p>
+        </p:txBody>
+      </p:sp>
     </p:spTree>
     <p:extLst>
       <p:ext uri="{BB962C8B-B14F-4D97-AF65-F5344CB8AC3E}">
